--- a/old/jsm2023.pptx
+++ b/old/jsm2023.pptx
@@ -109,6 +109,11 @@
       </a:defRPr>
     </a:lvl9pPr>
   </p:defaultTextStyle>
+  <p:extLst>
+    <p:ext uri="{EFAFB233-063F-42B5-8137-9DF3F51BA10A}">
+      <p15:sldGuideLst xmlns:p15="http://schemas.microsoft.com/office/powerpoint/2012/main"/>
+    </p:ext>
+  </p:extLst>
 </p:presentation>
 </file>
 
@@ -194,7 +199,7 @@
           <a:p>
             <a:fld id="{3BD805B9-2ECF-43F2-B31B-897870BD292D}" type="datetimeFigureOut">
               <a:rPr lang="en-US" smtClean="0"/>
-              <a:t>5/1/2023</a:t>
+              <a:t>5/22/2023</a:t>
             </a:fld>
             <a:endParaRPr lang="en-US"/>
           </a:p>
@@ -821,7 +826,7 @@
           <a:p>
             <a:fld id="{3DF2FB5C-B417-4DB4-B0DB-DEE608330B5B}" type="datetimeFigureOut">
               <a:rPr lang="en-US" smtClean="0"/>
-              <a:t>5/1/2023</a:t>
+              <a:t>5/22/2023</a:t>
             </a:fld>
             <a:endParaRPr lang="en-US"/>
           </a:p>
@@ -991,7 +996,7 @@
           <a:p>
             <a:fld id="{3DF2FB5C-B417-4DB4-B0DB-DEE608330B5B}" type="datetimeFigureOut">
               <a:rPr lang="en-US" smtClean="0"/>
-              <a:t>5/1/2023</a:t>
+              <a:t>5/22/2023</a:t>
             </a:fld>
             <a:endParaRPr lang="en-US"/>
           </a:p>
@@ -1171,7 +1176,7 @@
           <a:p>
             <a:fld id="{3DF2FB5C-B417-4DB4-B0DB-DEE608330B5B}" type="datetimeFigureOut">
               <a:rPr lang="en-US" smtClean="0"/>
-              <a:t>5/1/2023</a:t>
+              <a:t>5/22/2023</a:t>
             </a:fld>
             <a:endParaRPr lang="en-US"/>
           </a:p>
@@ -1363,7 +1368,7 @@
           <a:p>
             <a:fld id="{3F135061-2F74-46D4-9F8F-C77EF304855D}" type="datetimeFigureOut">
               <a:rPr lang="en-US" smtClean="0"/>
-              <a:t>5/1/2023</a:t>
+              <a:t>5/22/2023</a:t>
             </a:fld>
             <a:endParaRPr lang="en-US"/>
           </a:p>
@@ -1533,7 +1538,7 @@
           <a:p>
             <a:fld id="{3F135061-2F74-46D4-9F8F-C77EF304855D}" type="datetimeFigureOut">
               <a:rPr lang="en-US" smtClean="0"/>
-              <a:t>5/1/2023</a:t>
+              <a:t>5/22/2023</a:t>
             </a:fld>
             <a:endParaRPr lang="en-US"/>
           </a:p>
@@ -1777,7 +1782,7 @@
           <a:p>
             <a:fld id="{3F135061-2F74-46D4-9F8F-C77EF304855D}" type="datetimeFigureOut">
               <a:rPr lang="en-US" smtClean="0"/>
-              <a:t>5/1/2023</a:t>
+              <a:t>5/22/2023</a:t>
             </a:fld>
             <a:endParaRPr lang="en-US"/>
           </a:p>
@@ -2009,7 +2014,7 @@
           <a:p>
             <a:fld id="{3F135061-2F74-46D4-9F8F-C77EF304855D}" type="datetimeFigureOut">
               <a:rPr lang="en-US" smtClean="0"/>
-              <a:t>5/1/2023</a:t>
+              <a:t>5/22/2023</a:t>
             </a:fld>
             <a:endParaRPr lang="en-US"/>
           </a:p>
@@ -2376,7 +2381,7 @@
           <a:p>
             <a:fld id="{3F135061-2F74-46D4-9F8F-C77EF304855D}" type="datetimeFigureOut">
               <a:rPr lang="en-US" smtClean="0"/>
-              <a:t>5/1/2023</a:t>
+              <a:t>5/22/2023</a:t>
             </a:fld>
             <a:endParaRPr lang="en-US"/>
           </a:p>
@@ -2494,7 +2499,7 @@
           <a:p>
             <a:fld id="{3F135061-2F74-46D4-9F8F-C77EF304855D}" type="datetimeFigureOut">
               <a:rPr lang="en-US" smtClean="0"/>
-              <a:t>5/1/2023</a:t>
+              <a:t>5/22/2023</a:t>
             </a:fld>
             <a:endParaRPr lang="en-US"/>
           </a:p>
@@ -2589,7 +2594,7 @@
           <a:p>
             <a:fld id="{3F135061-2F74-46D4-9F8F-C77EF304855D}" type="datetimeFigureOut">
               <a:rPr lang="en-US" smtClean="0"/>
-              <a:t>5/1/2023</a:t>
+              <a:t>5/22/2023</a:t>
             </a:fld>
             <a:endParaRPr lang="en-US"/>
           </a:p>
@@ -2866,7 +2871,7 @@
           <a:p>
             <a:fld id="{3F135061-2F74-46D4-9F8F-C77EF304855D}" type="datetimeFigureOut">
               <a:rPr lang="en-US" smtClean="0"/>
-              <a:t>5/1/2023</a:t>
+              <a:t>5/22/2023</a:t>
             </a:fld>
             <a:endParaRPr lang="en-US"/>
           </a:p>
@@ -3036,7 +3041,7 @@
           <a:p>
             <a:fld id="{3DF2FB5C-B417-4DB4-B0DB-DEE608330B5B}" type="datetimeFigureOut">
               <a:rPr lang="en-US" smtClean="0"/>
-              <a:t>5/1/2023</a:t>
+              <a:t>5/22/2023</a:t>
             </a:fld>
             <a:endParaRPr lang="en-US"/>
           </a:p>
@@ -3293,7 +3298,7 @@
           <a:p>
             <a:fld id="{3F135061-2F74-46D4-9F8F-C77EF304855D}" type="datetimeFigureOut">
               <a:rPr lang="en-US" smtClean="0"/>
-              <a:t>5/1/2023</a:t>
+              <a:t>5/22/2023</a:t>
             </a:fld>
             <a:endParaRPr lang="en-US"/>
           </a:p>
@@ -3463,7 +3468,7 @@
           <a:p>
             <a:fld id="{3F135061-2F74-46D4-9F8F-C77EF304855D}" type="datetimeFigureOut">
               <a:rPr lang="en-US" smtClean="0"/>
-              <a:t>5/1/2023</a:t>
+              <a:t>5/22/2023</a:t>
             </a:fld>
             <a:endParaRPr lang="en-US"/>
           </a:p>
@@ -3643,7 +3648,7 @@
           <a:p>
             <a:fld id="{3F135061-2F74-46D4-9F8F-C77EF304855D}" type="datetimeFigureOut">
               <a:rPr lang="en-US" smtClean="0"/>
-              <a:t>5/1/2023</a:t>
+              <a:t>5/22/2023</a:t>
             </a:fld>
             <a:endParaRPr lang="en-US"/>
           </a:p>
@@ -3889,7 +3894,7 @@
           <a:p>
             <a:fld id="{3DF2FB5C-B417-4DB4-B0DB-DEE608330B5B}" type="datetimeFigureOut">
               <a:rPr lang="en-US" smtClean="0"/>
-              <a:t>5/1/2023</a:t>
+              <a:t>5/22/2023</a:t>
             </a:fld>
             <a:endParaRPr lang="en-US"/>
           </a:p>
@@ -4121,7 +4126,7 @@
           <a:p>
             <a:fld id="{3DF2FB5C-B417-4DB4-B0DB-DEE608330B5B}" type="datetimeFigureOut">
               <a:rPr lang="en-US" smtClean="0"/>
-              <a:t>5/1/2023</a:t>
+              <a:t>5/22/2023</a:t>
             </a:fld>
             <a:endParaRPr lang="en-US"/>
           </a:p>
@@ -4488,7 +4493,7 @@
           <a:p>
             <a:fld id="{3DF2FB5C-B417-4DB4-B0DB-DEE608330B5B}" type="datetimeFigureOut">
               <a:rPr lang="en-US" smtClean="0"/>
-              <a:t>5/1/2023</a:t>
+              <a:t>5/22/2023</a:t>
             </a:fld>
             <a:endParaRPr lang="en-US"/>
           </a:p>
@@ -4606,7 +4611,7 @@
           <a:p>
             <a:fld id="{3DF2FB5C-B417-4DB4-B0DB-DEE608330B5B}" type="datetimeFigureOut">
               <a:rPr lang="en-US" smtClean="0"/>
-              <a:t>5/1/2023</a:t>
+              <a:t>5/22/2023</a:t>
             </a:fld>
             <a:endParaRPr lang="en-US"/>
           </a:p>
@@ -4701,7 +4706,7 @@
           <a:p>
             <a:fld id="{3DF2FB5C-B417-4DB4-B0DB-DEE608330B5B}" type="datetimeFigureOut">
               <a:rPr lang="en-US" smtClean="0"/>
-              <a:t>5/1/2023</a:t>
+              <a:t>5/22/2023</a:t>
             </a:fld>
             <a:endParaRPr lang="en-US"/>
           </a:p>
@@ -4978,7 +4983,7 @@
           <a:p>
             <a:fld id="{3DF2FB5C-B417-4DB4-B0DB-DEE608330B5B}" type="datetimeFigureOut">
               <a:rPr lang="en-US" smtClean="0"/>
-              <a:t>5/1/2023</a:t>
+              <a:t>5/22/2023</a:t>
             </a:fld>
             <a:endParaRPr lang="en-US"/>
           </a:p>
@@ -5231,7 +5236,7 @@
           <a:p>
             <a:fld id="{3DF2FB5C-B417-4DB4-B0DB-DEE608330B5B}" type="datetimeFigureOut">
               <a:rPr lang="en-US" smtClean="0"/>
-              <a:t>5/1/2023</a:t>
+              <a:t>5/22/2023</a:t>
             </a:fld>
             <a:endParaRPr lang="en-US"/>
           </a:p>
@@ -5444,7 +5449,7 @@
           <a:p>
             <a:fld id="{3DF2FB5C-B417-4DB4-B0DB-DEE608330B5B}" type="datetimeFigureOut">
               <a:rPr lang="en-US" smtClean="0"/>
-              <a:t>5/1/2023</a:t>
+              <a:t>5/22/2023</a:t>
             </a:fld>
             <a:endParaRPr lang="en-US"/>
           </a:p>
@@ -5984,7 +5989,7 @@
           <a:p>
             <a:fld id="{3F135061-2F74-46D4-9F8F-C77EF304855D}" type="datetimeFigureOut">
               <a:rPr lang="en-US" smtClean="0"/>
-              <a:t>5/1/2023</a:t>
+              <a:t>5/22/2023</a:t>
             </a:fld>
             <a:endParaRPr lang="en-US"/>
           </a:p>
@@ -6611,7 +6616,7 @@
               </a:lnSpc>
             </a:pPr>
             <a:r>
-              <a:rPr lang="en-US" sz="2604" dirty="0">
+              <a:rPr lang="en-US" sz="3200" dirty="0" smtClean="0">
                 <a:solidFill>
                   <a:schemeClr val="bg1"/>
                 </a:solidFill>
@@ -6619,74 +6624,16 @@
                 <a:ea typeface="Segoe UI Black" panose="020B0A02040204020203" pitchFamily="34" charset="0"/>
                 <a:cs typeface="Segoe UI" panose="020B0502040204020203" pitchFamily="34" charset="0"/>
               </a:rPr>
-              <a:t>Main finding</a:t>
-            </a:r>
-            <a:r>
-              <a:rPr lang="en-US" sz="2604" dirty="0">
-                <a:solidFill>
-                  <a:schemeClr val="bg1"/>
-                </a:solidFill>
-                <a:latin typeface="Lato" panose="020F0502020204030203" pitchFamily="34" charset="0"/>
-                <a:ea typeface="Segoe UI Black" panose="020B0A02040204020203" pitchFamily="34" charset="0"/>
-                <a:cs typeface="Segoe UI" panose="020B0502040204020203" pitchFamily="34" charset="0"/>
-              </a:rPr>
-              <a:t> goes here</a:t>
-            </a:r>
-            <a:r>
-              <a:rPr lang="en-US" sz="2604" dirty="0">
-                <a:solidFill>
-                  <a:schemeClr val="bg1"/>
-                </a:solidFill>
-                <a:latin typeface="Lato" panose="020F0502020204030203" pitchFamily="34" charset="0"/>
-                <a:ea typeface="Roboto" panose="02000000000000000000" pitchFamily="2" charset="0"/>
-                <a:cs typeface="Segoe UI" panose="020B0502040204020203" pitchFamily="34" charset="0"/>
-              </a:rPr>
-              <a:t>, translated into </a:t>
-            </a:r>
-            <a:r>
-              <a:rPr lang="en-US" sz="2604" dirty="0">
-                <a:solidFill>
-                  <a:schemeClr val="bg1"/>
-                </a:solidFill>
-                <a:latin typeface="Lato Black" panose="020F0A02020204030203" pitchFamily="34" charset="0"/>
-                <a:ea typeface="Segoe UI Black" panose="020B0A02040204020203" pitchFamily="34" charset="0"/>
-                <a:cs typeface="Segoe UI" panose="020B0502040204020203" pitchFamily="34" charset="0"/>
-              </a:rPr>
-              <a:t>plain English</a:t>
-            </a:r>
-            <a:r>
-              <a:rPr lang="en-US" sz="2604" dirty="0">
-                <a:solidFill>
-                  <a:schemeClr val="bg1"/>
-                </a:solidFill>
-                <a:latin typeface="Lato" panose="020F0502020204030203" pitchFamily="34" charset="0"/>
-                <a:ea typeface="Roboto" panose="02000000000000000000" pitchFamily="2" charset="0"/>
-                <a:cs typeface="Segoe UI" panose="020B0502040204020203" pitchFamily="34" charset="0"/>
-              </a:rPr>
-              <a:t>. </a:t>
-            </a:r>
-            <a:r>
-              <a:rPr lang="en-US" sz="2604" dirty="0">
-                <a:solidFill>
-                  <a:schemeClr val="bg1"/>
-                </a:solidFill>
-                <a:latin typeface="Lato Black" panose="020F0A02020204030203" pitchFamily="34" charset="0"/>
-                <a:ea typeface="Segoe UI Black" panose="020B0A02040204020203" pitchFamily="34" charset="0"/>
-                <a:cs typeface="Segoe UI" panose="020B0502040204020203" pitchFamily="34" charset="0"/>
-              </a:rPr>
-              <a:t>Emphasize</a:t>
-            </a:r>
-            <a:r>
-              <a:rPr lang="en-US" sz="2604" dirty="0">
-                <a:solidFill>
-                  <a:schemeClr val="bg1"/>
-                </a:solidFill>
-                <a:latin typeface="Lato" panose="020F0502020204030203" pitchFamily="34" charset="0"/>
-                <a:ea typeface="Roboto" panose="02000000000000000000" pitchFamily="2" charset="0"/>
-                <a:cs typeface="Segoe UI" panose="020B0502040204020203" pitchFamily="34" charset="0"/>
-              </a:rPr>
-              <a:t> the important words.</a:t>
-            </a:r>
+              <a:t>The direction of group imbalance changes inferences for positive-unlabeled data</a:t>
+            </a:r>
+            <a:endParaRPr lang="en-US" sz="3200" dirty="0">
+              <a:solidFill>
+                <a:schemeClr val="bg1"/>
+              </a:solidFill>
+              <a:latin typeface="Lato" panose="020F0502020204030203" pitchFamily="34" charset="0"/>
+              <a:ea typeface="Roboto" panose="02000000000000000000" pitchFamily="2" charset="0"/>
+              <a:cs typeface="Segoe UI" panose="020B0502040204020203" pitchFamily="34" charset="0"/>
+            </a:endParaRPr>
           </a:p>
         </p:txBody>
       </p:sp>
@@ -8662,61 +8609,6 @@
           </a:p>
         </p:txBody>
       </p:sp>
-      <p:sp>
-        <p:nvSpPr>
-          <p:cNvPr id="2" name="Rectangle 1">
-            <a:extLst>
-              <a:ext uri="{FF2B5EF4-FFF2-40B4-BE49-F238E27FC236}">
-                <a16:creationId xmlns:a16="http://schemas.microsoft.com/office/drawing/2014/main" id="{ADC988AD-FB82-4850-84BE-0F496EB3BDC0}"/>
-              </a:ext>
-            </a:extLst>
-          </p:cNvPr>
-          <p:cNvSpPr/>
-          <p:nvPr/>
-        </p:nvSpPr>
-        <p:spPr>
-          <a:xfrm>
-            <a:off x="4814110" y="4644253"/>
-            <a:ext cx="5143500" cy="323165"/>
-          </a:xfrm>
-          <a:prstGeom prst="rect">
-            <a:avLst/>
-          </a:prstGeom>
-        </p:spPr>
-        <p:txBody>
-          <a:bodyPr>
-            <a:spAutoFit/>
-          </a:bodyPr>
-          <a:lstStyle/>
-          <a:p>
-            <a:pPr defTabSz="95235"/>
-            <a:r>
-              <a:rPr lang="en-US" sz="750" dirty="0">
-                <a:solidFill>
-                  <a:prstClr val="white">
-                    <a:lumMod val="50000"/>
-                  </a:prstClr>
-                </a:solidFill>
-                <a:latin typeface="Lato" panose="020F0502020204030203" pitchFamily="34" charset="0"/>
-                <a:cs typeface="Segoe UI" panose="020B0502040204020203" pitchFamily="34" charset="0"/>
-              </a:rPr>
-              <a:t>Visualize your findings with an image, graphic, or a key figure.</a:t>
-            </a:r>
-          </a:p>
-          <a:p>
-            <a:pPr defTabSz="95235"/>
-            <a:endParaRPr lang="en-US" sz="750" dirty="0">
-              <a:solidFill>
-                <a:prstClr val="white">
-                  <a:lumMod val="50000"/>
-                </a:prstClr>
-              </a:solidFill>
-              <a:latin typeface="Lato" panose="020F0502020204030203" pitchFamily="34" charset="0"/>
-              <a:cs typeface="Segoe UI" panose="020B0502040204020203" pitchFamily="34" charset="0"/>
-            </a:endParaRPr>
-          </a:p>
-        </p:txBody>
-      </p:sp>
       <p:pic>
         <p:nvPicPr>
           <p:cNvPr id="14" name="Graphic 13">
@@ -8738,7 +8630,7 @@
                 <a14:useLocalDpi xmlns:a14="http://schemas.microsoft.com/office/drawing/2010/main" val="0"/>
               </a:ext>
               <a:ext uri="{96DAC541-7B7A-43D3-8B79-37D633B846F1}">
-                <asvg:svgBlip xmlns:asvg="http://schemas.microsoft.com/office/drawing/2016/SVG/main" xmlns="" r:embed="rId5"/>
+                <asvg:svgBlip xmlns="" xmlns:asvg="http://schemas.microsoft.com/office/drawing/2016/SVG/main" r:embed="rId5"/>
               </a:ext>
             </a:extLst>
           </a:blip>
@@ -8758,23 +8650,17 @@
       </p:pic>
       <p:pic>
         <p:nvPicPr>
-          <p:cNvPr id="27" name="Graphic 26">
-            <a:extLst>
-              <a:ext uri="{FF2B5EF4-FFF2-40B4-BE49-F238E27FC236}">
-                <a16:creationId xmlns:a16="http://schemas.microsoft.com/office/drawing/2014/main" id="{B62BF9C0-8774-4458-8210-ACA4788001C5}"/>
-              </a:ext>
-            </a:extLst>
-          </p:cNvPr>
+          <p:cNvPr id="4" name="Picture 3"/>
           <p:cNvPicPr>
             <a:picLocks noChangeAspect="1"/>
           </p:cNvPicPr>
           <p:nvPr/>
         </p:nvPicPr>
         <p:blipFill>
-          <a:blip r:embed="rId6">
+          <a:blip r:embed="rId6" cstate="print">
             <a:extLst>
-              <a:ext uri="{96DAC541-7B7A-43D3-8B79-37D633B846F1}">
-                <asvg:svgBlip xmlns:asvg="http://schemas.microsoft.com/office/drawing/2016/SVG/main" xmlns="" r:embed="rId7"/>
+              <a:ext uri="{28A0092B-C50C-407E-A947-70E740481C1C}">
+                <a14:useLocalDpi xmlns:a14="http://schemas.microsoft.com/office/drawing/2010/main" val="0"/>
               </a:ext>
             </a:extLst>
           </a:blip>
@@ -8784,8 +8670,8 @@
         </p:blipFill>
         <p:spPr>
           <a:xfrm>
-            <a:off x="4859604" y="2782957"/>
-            <a:ext cx="2546603" cy="1697735"/>
+            <a:off x="9176446" y="2864524"/>
+            <a:ext cx="2032082" cy="1354721"/>
           </a:xfrm>
           <a:prstGeom prst="rect">
             <a:avLst/>
